--- a/Perpetual Motion.pptx
+++ b/Perpetual Motion.pptx
@@ -17,8 +17,7 @@
     <p:sldId id="263" r:id="rId11"/>
     <p:sldId id="260" r:id="rId12"/>
     <p:sldId id="264" r:id="rId13"/>
-    <p:sldId id="271" r:id="rId14"/>
-    <p:sldId id="270" r:id="rId15"/>
+    <p:sldId id="270" r:id="rId14"/>
   </p:sldIdLst>
   <p:sldSz cx="12192000" cy="6858000"/>
   <p:notesSz cx="6858000" cy="9144000"/>
@@ -1711,1247 +1710,6 @@
       <dsp:cNvGrpSpPr/>
     </dsp:nvGrpSpPr>
     <dsp:grpSpPr/>
-    <dsp:sp modelId="{4FA6DA67-6DAE-4141-A29C-168BB9627401}">
-      <dsp:nvSpPr>
-        <dsp:cNvPr id="0" name=""/>
-        <dsp:cNvSpPr/>
-      </dsp:nvSpPr>
-      <dsp:spPr>
-        <a:xfrm>
-          <a:off x="1403382" y="922005"/>
-          <a:ext cx="1601241" cy="800620"/>
-        </a:xfrm>
-        <a:prstGeom prst="roundRect">
-          <a:avLst>
-            <a:gd name="adj" fmla="val 10000"/>
-          </a:avLst>
-        </a:prstGeom>
-        <a:gradFill rotWithShape="0">
-          <a:gsLst>
-            <a:gs pos="0">
-              <a:schemeClr val="accent1">
-                <a:hueOff val="0"/>
-                <a:satOff val="0"/>
-                <a:lumOff val="0"/>
-                <a:alphaOff val="0"/>
-                <a:tint val="65000"/>
-                <a:shade val="92000"/>
-                <a:satMod val="130000"/>
-              </a:schemeClr>
-            </a:gs>
-            <a:gs pos="45000">
-              <a:schemeClr val="accent1">
-                <a:hueOff val="0"/>
-                <a:satOff val="0"/>
-                <a:lumOff val="0"/>
-                <a:alphaOff val="0"/>
-                <a:tint val="60000"/>
-                <a:shade val="99000"/>
-                <a:satMod val="120000"/>
-              </a:schemeClr>
-            </a:gs>
-            <a:gs pos="100000">
-              <a:schemeClr val="accent1">
-                <a:hueOff val="0"/>
-                <a:satOff val="0"/>
-                <a:lumOff val="0"/>
-                <a:alphaOff val="0"/>
-                <a:tint val="55000"/>
-                <a:satMod val="140000"/>
-              </a:schemeClr>
-            </a:gs>
-          </a:gsLst>
-          <a:path path="circle">
-            <a:fillToRect l="100000" t="100000" r="100000" b="100000"/>
-          </a:path>
-        </a:gradFill>
-        <a:ln>
-          <a:noFill/>
-        </a:ln>
-        <a:effectLst/>
-        <a:scene3d>
-          <a:camera prst="orthographicFront"/>
-          <a:lightRig rig="flat" dir="t"/>
-        </a:scene3d>
-        <a:sp3d prstMaterial="dkEdge">
-          <a:bevelT w="8200" h="38100"/>
-        </a:sp3d>
-      </dsp:spPr>
-      <dsp:style>
-        <a:lnRef idx="0">
-          <a:scrgbClr r="0" g="0" b="0"/>
-        </a:lnRef>
-        <a:fillRef idx="2">
-          <a:scrgbClr r="0" g="0" b="0"/>
-        </a:fillRef>
-        <a:effectRef idx="1">
-          <a:scrgbClr r="0" g="0" b="0"/>
-        </a:effectRef>
-        <a:fontRef idx="minor">
-          <a:schemeClr val="dk1"/>
-        </a:fontRef>
-      </dsp:style>
-      <dsp:txBody>
-        <a:bodyPr spcFirstLastPara="0" vert="horz" wrap="square" lIns="15240" tIns="15240" rIns="15240" bIns="15240" numCol="1" spcCol="1270" anchor="ctr" anchorCtr="0">
-          <a:noAutofit/>
-        </a:bodyPr>
-        <a:lstStyle/>
-        <a:p>
-          <a:pPr lvl="0" algn="ctr" defTabSz="1066800">
-            <a:lnSpc>
-              <a:spcPct val="90000"/>
-            </a:lnSpc>
-            <a:spcBef>
-              <a:spcPct val="0"/>
-            </a:spcBef>
-            <a:spcAft>
-              <a:spcPct val="35000"/>
-            </a:spcAft>
-          </a:pPr>
-          <a:r>
-            <a:rPr lang="en-US" sz="2400" b="0" kern="1200" cap="none" spc="0" dirty="0" smtClean="0">
-              <a:ln w="0"/>
-              <a:solidFill>
-                <a:schemeClr val="tx1"/>
-              </a:solidFill>
-              <a:effectLst>
-                <a:outerShdw blurRad="38100" dist="19050" dir="2700000" algn="tl" rotWithShape="0">
-                  <a:schemeClr val="dk1">
-                    <a:alpha val="40000"/>
-                  </a:schemeClr>
-                </a:outerShdw>
-              </a:effectLst>
-            </a:rPr>
-            <a:t>Scene</a:t>
-          </a:r>
-          <a:endParaRPr lang="en-US" sz="2400" b="0" kern="1200" cap="none" spc="0" dirty="0">
-            <a:ln w="0"/>
-            <a:solidFill>
-              <a:schemeClr val="tx1"/>
-            </a:solidFill>
-            <a:effectLst>
-              <a:outerShdw blurRad="38100" dist="19050" dir="2700000" algn="tl" rotWithShape="0">
-                <a:schemeClr val="dk1">
-                  <a:alpha val="40000"/>
-                </a:schemeClr>
-              </a:outerShdw>
-            </a:effectLst>
-          </a:endParaRPr>
-        </a:p>
-      </dsp:txBody>
-      <dsp:txXfrm>
-        <a:off x="1426831" y="945454"/>
-        <a:ext cx="1554343" cy="753722"/>
-      </dsp:txXfrm>
-    </dsp:sp>
-    <dsp:sp modelId="{CD419B4D-23A2-47B2-BAB2-39A66FB6B96B}">
-      <dsp:nvSpPr>
-        <dsp:cNvPr id="0" name=""/>
-        <dsp:cNvSpPr/>
-      </dsp:nvSpPr>
-      <dsp:spPr>
-        <a:xfrm rot="18289469">
-          <a:off x="2764080" y="834712"/>
-          <a:ext cx="1121583" cy="54492"/>
-        </a:xfrm>
-        <a:custGeom>
-          <a:avLst/>
-          <a:gdLst/>
-          <a:ahLst/>
-          <a:cxnLst/>
-          <a:rect l="0" t="0" r="0" b="0"/>
-          <a:pathLst>
-            <a:path>
-              <a:moveTo>
-                <a:pt x="0" y="27246"/>
-              </a:moveTo>
-              <a:lnTo>
-                <a:pt x="1121583" y="27246"/>
-              </a:lnTo>
-            </a:path>
-          </a:pathLst>
-        </a:custGeom>
-        <a:noFill/>
-        <a:ln w="15875" cap="flat" cmpd="sng" algn="ctr">
-          <a:solidFill>
-            <a:schemeClr val="accent1">
-              <a:shade val="60000"/>
-              <a:hueOff val="0"/>
-              <a:satOff val="0"/>
-              <a:lumOff val="0"/>
-              <a:alphaOff val="0"/>
-            </a:schemeClr>
-          </a:solidFill>
-          <a:prstDash val="solid"/>
-        </a:ln>
-        <a:effectLst/>
-      </dsp:spPr>
-      <dsp:style>
-        <a:lnRef idx="2">
-          <a:scrgbClr r="0" g="0" b="0"/>
-        </a:lnRef>
-        <a:fillRef idx="0">
-          <a:scrgbClr r="0" g="0" b="0"/>
-        </a:fillRef>
-        <a:effectRef idx="0">
-          <a:scrgbClr r="0" g="0" b="0"/>
-        </a:effectRef>
-        <a:fontRef idx="minor"/>
-      </dsp:style>
-      <dsp:txBody>
-        <a:bodyPr spcFirstLastPara="0" vert="horz" wrap="square" lIns="12700" tIns="0" rIns="12700" bIns="0" numCol="1" spcCol="1270" anchor="ctr" anchorCtr="0">
-          <a:noAutofit/>
-        </a:bodyPr>
-        <a:lstStyle/>
-        <a:p>
-          <a:pPr lvl="0" algn="ctr" defTabSz="222250">
-            <a:lnSpc>
-              <a:spcPct val="90000"/>
-            </a:lnSpc>
-            <a:spcBef>
-              <a:spcPct val="0"/>
-            </a:spcBef>
-            <a:spcAft>
-              <a:spcPct val="35000"/>
-            </a:spcAft>
-          </a:pPr>
-          <a:endParaRPr lang="en-US" sz="500" b="0" kern="1200" cap="none" spc="0">
-            <a:ln w="0"/>
-            <a:solidFill>
-              <a:schemeClr val="tx1"/>
-            </a:solidFill>
-            <a:effectLst>
-              <a:outerShdw blurRad="38100" dist="19050" dir="2700000" algn="tl" rotWithShape="0">
-                <a:schemeClr val="dk1">
-                  <a:alpha val="40000"/>
-                </a:schemeClr>
-              </a:outerShdw>
-            </a:effectLst>
-          </a:endParaRPr>
-        </a:p>
-      </dsp:txBody>
-      <dsp:txXfrm>
-        <a:off x="3296832" y="833918"/>
-        <a:ext cx="56079" cy="56079"/>
-      </dsp:txXfrm>
-    </dsp:sp>
-    <dsp:sp modelId="{1F101213-37E9-495F-83ED-ECC53733DF1D}">
-      <dsp:nvSpPr>
-        <dsp:cNvPr id="0" name=""/>
-        <dsp:cNvSpPr/>
-      </dsp:nvSpPr>
-      <dsp:spPr>
-        <a:xfrm>
-          <a:off x="3645120" y="1291"/>
-          <a:ext cx="1601241" cy="800620"/>
-        </a:xfrm>
-        <a:prstGeom prst="roundRect">
-          <a:avLst>
-            <a:gd name="adj" fmla="val 10000"/>
-          </a:avLst>
-        </a:prstGeom>
-        <a:gradFill rotWithShape="0">
-          <a:gsLst>
-            <a:gs pos="0">
-              <a:schemeClr val="accent1">
-                <a:hueOff val="0"/>
-                <a:satOff val="0"/>
-                <a:lumOff val="0"/>
-                <a:alphaOff val="0"/>
-                <a:tint val="65000"/>
-                <a:shade val="92000"/>
-                <a:satMod val="130000"/>
-              </a:schemeClr>
-            </a:gs>
-            <a:gs pos="45000">
-              <a:schemeClr val="accent1">
-                <a:hueOff val="0"/>
-                <a:satOff val="0"/>
-                <a:lumOff val="0"/>
-                <a:alphaOff val="0"/>
-                <a:tint val="60000"/>
-                <a:shade val="99000"/>
-                <a:satMod val="120000"/>
-              </a:schemeClr>
-            </a:gs>
-            <a:gs pos="100000">
-              <a:schemeClr val="accent1">
-                <a:hueOff val="0"/>
-                <a:satOff val="0"/>
-                <a:lumOff val="0"/>
-                <a:alphaOff val="0"/>
-                <a:tint val="55000"/>
-                <a:satMod val="140000"/>
-              </a:schemeClr>
-            </a:gs>
-          </a:gsLst>
-          <a:path path="circle">
-            <a:fillToRect l="100000" t="100000" r="100000" b="100000"/>
-          </a:path>
-        </a:gradFill>
-        <a:ln>
-          <a:noFill/>
-        </a:ln>
-        <a:effectLst/>
-        <a:scene3d>
-          <a:camera prst="orthographicFront"/>
-          <a:lightRig rig="flat" dir="t"/>
-        </a:scene3d>
-        <a:sp3d prstMaterial="dkEdge">
-          <a:bevelT w="8200" h="38100"/>
-        </a:sp3d>
-      </dsp:spPr>
-      <dsp:style>
-        <a:lnRef idx="0">
-          <a:scrgbClr r="0" g="0" b="0"/>
-        </a:lnRef>
-        <a:fillRef idx="2">
-          <a:scrgbClr r="0" g="0" b="0"/>
-        </a:fillRef>
-        <a:effectRef idx="1">
-          <a:scrgbClr r="0" g="0" b="0"/>
-        </a:effectRef>
-        <a:fontRef idx="minor">
-          <a:schemeClr val="dk1"/>
-        </a:fontRef>
-      </dsp:style>
-      <dsp:txBody>
-        <a:bodyPr spcFirstLastPara="0" vert="horz" wrap="square" lIns="15240" tIns="15240" rIns="15240" bIns="15240" numCol="1" spcCol="1270" anchor="ctr" anchorCtr="0">
-          <a:noAutofit/>
-        </a:bodyPr>
-        <a:lstStyle/>
-        <a:p>
-          <a:pPr lvl="0" algn="ctr" defTabSz="1066800">
-            <a:lnSpc>
-              <a:spcPct val="90000"/>
-            </a:lnSpc>
-            <a:spcBef>
-              <a:spcPct val="0"/>
-            </a:spcBef>
-            <a:spcAft>
-              <a:spcPct val="35000"/>
-            </a:spcAft>
-          </a:pPr>
-          <a:r>
-            <a:rPr lang="en-US" sz="2400" b="0" kern="1200" cap="none" spc="0" dirty="0" smtClean="0">
-              <a:ln w="0"/>
-              <a:solidFill>
-                <a:schemeClr val="tx1"/>
-              </a:solidFill>
-              <a:effectLst>
-                <a:outerShdw blurRad="38100" dist="19050" dir="2700000" algn="tl" rotWithShape="0">
-                  <a:schemeClr val="dk1">
-                    <a:alpha val="40000"/>
-                  </a:schemeClr>
-                </a:outerShdw>
-              </a:effectLst>
-            </a:rPr>
-            <a:t>Camera</a:t>
-          </a:r>
-          <a:endParaRPr lang="en-US" sz="2400" b="0" kern="1200" cap="none" spc="0" dirty="0">
-            <a:ln w="0"/>
-            <a:solidFill>
-              <a:schemeClr val="tx1"/>
-            </a:solidFill>
-            <a:effectLst>
-              <a:outerShdw blurRad="38100" dist="19050" dir="2700000" algn="tl" rotWithShape="0">
-                <a:schemeClr val="dk1">
-                  <a:alpha val="40000"/>
-                </a:schemeClr>
-              </a:outerShdw>
-            </a:effectLst>
-          </a:endParaRPr>
-        </a:p>
-      </dsp:txBody>
-      <dsp:txXfrm>
-        <a:off x="3668569" y="24740"/>
-        <a:ext cx="1554343" cy="753722"/>
-      </dsp:txXfrm>
-    </dsp:sp>
-    <dsp:sp modelId="{B78822E7-6EA6-4022-AD64-D02E36D418BB}">
-      <dsp:nvSpPr>
-        <dsp:cNvPr id="0" name=""/>
-        <dsp:cNvSpPr/>
-      </dsp:nvSpPr>
-      <dsp:spPr>
-        <a:xfrm>
-          <a:off x="3004623" y="1295069"/>
-          <a:ext cx="640496" cy="54492"/>
-        </a:xfrm>
-        <a:custGeom>
-          <a:avLst/>
-          <a:gdLst/>
-          <a:ahLst/>
-          <a:cxnLst/>
-          <a:rect l="0" t="0" r="0" b="0"/>
-          <a:pathLst>
-            <a:path>
-              <a:moveTo>
-                <a:pt x="0" y="27246"/>
-              </a:moveTo>
-              <a:lnTo>
-                <a:pt x="640496" y="27246"/>
-              </a:lnTo>
-            </a:path>
-          </a:pathLst>
-        </a:custGeom>
-        <a:noFill/>
-        <a:ln w="15875" cap="flat" cmpd="sng" algn="ctr">
-          <a:solidFill>
-            <a:schemeClr val="accent1">
-              <a:shade val="60000"/>
-              <a:hueOff val="0"/>
-              <a:satOff val="0"/>
-              <a:lumOff val="0"/>
-              <a:alphaOff val="0"/>
-            </a:schemeClr>
-          </a:solidFill>
-          <a:prstDash val="solid"/>
-        </a:ln>
-        <a:effectLst/>
-      </dsp:spPr>
-      <dsp:style>
-        <a:lnRef idx="2">
-          <a:scrgbClr r="0" g="0" b="0"/>
-        </a:lnRef>
-        <a:fillRef idx="0">
-          <a:scrgbClr r="0" g="0" b="0"/>
-        </a:fillRef>
-        <a:effectRef idx="0">
-          <a:scrgbClr r="0" g="0" b="0"/>
-        </a:effectRef>
-        <a:fontRef idx="minor"/>
-      </dsp:style>
-      <dsp:txBody>
-        <a:bodyPr spcFirstLastPara="0" vert="horz" wrap="square" lIns="12700" tIns="0" rIns="12700" bIns="0" numCol="1" spcCol="1270" anchor="ctr" anchorCtr="0">
-          <a:noAutofit/>
-        </a:bodyPr>
-        <a:lstStyle/>
-        <a:p>
-          <a:pPr lvl="0" algn="ctr" defTabSz="222250">
-            <a:lnSpc>
-              <a:spcPct val="90000"/>
-            </a:lnSpc>
-            <a:spcBef>
-              <a:spcPct val="0"/>
-            </a:spcBef>
-            <a:spcAft>
-              <a:spcPct val="35000"/>
-            </a:spcAft>
-          </a:pPr>
-          <a:endParaRPr lang="en-US" sz="500" b="0" kern="1200" cap="none" spc="0">
-            <a:ln w="0"/>
-            <a:solidFill>
-              <a:schemeClr val="tx1"/>
-            </a:solidFill>
-            <a:effectLst>
-              <a:outerShdw blurRad="38100" dist="19050" dir="2700000" algn="tl" rotWithShape="0">
-                <a:schemeClr val="dk1">
-                  <a:alpha val="40000"/>
-                </a:schemeClr>
-              </a:outerShdw>
-            </a:effectLst>
-          </a:endParaRPr>
-        </a:p>
-      </dsp:txBody>
-      <dsp:txXfrm>
-        <a:off x="3308859" y="1306303"/>
-        <a:ext cx="32024" cy="32024"/>
-      </dsp:txXfrm>
-    </dsp:sp>
-    <dsp:sp modelId="{E652EF25-C7D2-4FEB-B718-6580071C1507}">
-      <dsp:nvSpPr>
-        <dsp:cNvPr id="0" name=""/>
-        <dsp:cNvSpPr/>
-      </dsp:nvSpPr>
-      <dsp:spPr>
-        <a:xfrm>
-          <a:off x="3645120" y="922005"/>
-          <a:ext cx="1601241" cy="800620"/>
-        </a:xfrm>
-        <a:prstGeom prst="roundRect">
-          <a:avLst>
-            <a:gd name="adj" fmla="val 10000"/>
-          </a:avLst>
-        </a:prstGeom>
-        <a:gradFill rotWithShape="0">
-          <a:gsLst>
-            <a:gs pos="0">
-              <a:schemeClr val="accent1">
-                <a:hueOff val="0"/>
-                <a:satOff val="0"/>
-                <a:lumOff val="0"/>
-                <a:alphaOff val="0"/>
-                <a:tint val="65000"/>
-                <a:shade val="92000"/>
-                <a:satMod val="130000"/>
-              </a:schemeClr>
-            </a:gs>
-            <a:gs pos="45000">
-              <a:schemeClr val="accent1">
-                <a:hueOff val="0"/>
-                <a:satOff val="0"/>
-                <a:lumOff val="0"/>
-                <a:alphaOff val="0"/>
-                <a:tint val="60000"/>
-                <a:shade val="99000"/>
-                <a:satMod val="120000"/>
-              </a:schemeClr>
-            </a:gs>
-            <a:gs pos="100000">
-              <a:schemeClr val="accent1">
-                <a:hueOff val="0"/>
-                <a:satOff val="0"/>
-                <a:lumOff val="0"/>
-                <a:alphaOff val="0"/>
-                <a:tint val="55000"/>
-                <a:satMod val="140000"/>
-              </a:schemeClr>
-            </a:gs>
-          </a:gsLst>
-          <a:path path="circle">
-            <a:fillToRect l="100000" t="100000" r="100000" b="100000"/>
-          </a:path>
-        </a:gradFill>
-        <a:ln>
-          <a:noFill/>
-        </a:ln>
-        <a:effectLst/>
-        <a:scene3d>
-          <a:camera prst="orthographicFront"/>
-          <a:lightRig rig="flat" dir="t"/>
-        </a:scene3d>
-        <a:sp3d prstMaterial="dkEdge">
-          <a:bevelT w="8200" h="38100"/>
-        </a:sp3d>
-      </dsp:spPr>
-      <dsp:style>
-        <a:lnRef idx="0">
-          <a:scrgbClr r="0" g="0" b="0"/>
-        </a:lnRef>
-        <a:fillRef idx="2">
-          <a:scrgbClr r="0" g="0" b="0"/>
-        </a:fillRef>
-        <a:effectRef idx="1">
-          <a:scrgbClr r="0" g="0" b="0"/>
-        </a:effectRef>
-        <a:fontRef idx="minor">
-          <a:schemeClr val="dk1"/>
-        </a:fontRef>
-      </dsp:style>
-      <dsp:txBody>
-        <a:bodyPr spcFirstLastPara="0" vert="horz" wrap="square" lIns="15240" tIns="15240" rIns="15240" bIns="15240" numCol="1" spcCol="1270" anchor="ctr" anchorCtr="0">
-          <a:noAutofit/>
-        </a:bodyPr>
-        <a:lstStyle/>
-        <a:p>
-          <a:pPr lvl="0" algn="ctr" defTabSz="1066800">
-            <a:lnSpc>
-              <a:spcPct val="90000"/>
-            </a:lnSpc>
-            <a:spcBef>
-              <a:spcPct val="0"/>
-            </a:spcBef>
-            <a:spcAft>
-              <a:spcPct val="35000"/>
-            </a:spcAft>
-          </a:pPr>
-          <a:r>
-            <a:rPr lang="en-US" sz="2400" b="0" kern="1200" cap="none" spc="0" dirty="0" smtClean="0">
-              <a:ln w="0"/>
-              <a:solidFill>
-                <a:schemeClr val="tx1"/>
-              </a:solidFill>
-              <a:effectLst>
-                <a:outerShdw blurRad="38100" dist="19050" dir="2700000" algn="tl" rotWithShape="0">
-                  <a:schemeClr val="dk1">
-                    <a:alpha val="40000"/>
-                  </a:schemeClr>
-                </a:outerShdw>
-              </a:effectLst>
-            </a:rPr>
-            <a:t>Main Object</a:t>
-          </a:r>
-          <a:endParaRPr lang="en-US" sz="2400" b="0" kern="1200" cap="none" spc="0" dirty="0">
-            <a:ln w="0"/>
-            <a:solidFill>
-              <a:schemeClr val="tx1"/>
-            </a:solidFill>
-            <a:effectLst>
-              <a:outerShdw blurRad="38100" dist="19050" dir="2700000" algn="tl" rotWithShape="0">
-                <a:schemeClr val="dk1">
-                  <a:alpha val="40000"/>
-                </a:schemeClr>
-              </a:outerShdw>
-            </a:effectLst>
-          </a:endParaRPr>
-        </a:p>
-      </dsp:txBody>
-      <dsp:txXfrm>
-        <a:off x="3668569" y="945454"/>
-        <a:ext cx="1554343" cy="753722"/>
-      </dsp:txXfrm>
-    </dsp:sp>
-    <dsp:sp modelId="{03373E07-AA8A-4483-B3E3-709788935B56}">
-      <dsp:nvSpPr>
-        <dsp:cNvPr id="0" name=""/>
-        <dsp:cNvSpPr/>
-      </dsp:nvSpPr>
-      <dsp:spPr>
-        <a:xfrm>
-          <a:off x="5246361" y="1295069"/>
-          <a:ext cx="640496" cy="54492"/>
-        </a:xfrm>
-        <a:custGeom>
-          <a:avLst/>
-          <a:gdLst/>
-          <a:ahLst/>
-          <a:cxnLst/>
-          <a:rect l="0" t="0" r="0" b="0"/>
-          <a:pathLst>
-            <a:path>
-              <a:moveTo>
-                <a:pt x="0" y="27246"/>
-              </a:moveTo>
-              <a:lnTo>
-                <a:pt x="640496" y="27246"/>
-              </a:lnTo>
-            </a:path>
-          </a:pathLst>
-        </a:custGeom>
-        <a:noFill/>
-        <a:ln w="15875" cap="flat" cmpd="sng" algn="ctr">
-          <a:solidFill>
-            <a:schemeClr val="accent1">
-              <a:shade val="80000"/>
-              <a:hueOff val="0"/>
-              <a:satOff val="0"/>
-              <a:lumOff val="0"/>
-              <a:alphaOff val="0"/>
-            </a:schemeClr>
-          </a:solidFill>
-          <a:prstDash val="solid"/>
-        </a:ln>
-        <a:effectLst/>
-      </dsp:spPr>
-      <dsp:style>
-        <a:lnRef idx="2">
-          <a:scrgbClr r="0" g="0" b="0"/>
-        </a:lnRef>
-        <a:fillRef idx="0">
-          <a:scrgbClr r="0" g="0" b="0"/>
-        </a:fillRef>
-        <a:effectRef idx="0">
-          <a:scrgbClr r="0" g="0" b="0"/>
-        </a:effectRef>
-        <a:fontRef idx="minor"/>
-      </dsp:style>
-      <dsp:txBody>
-        <a:bodyPr spcFirstLastPara="0" vert="horz" wrap="square" lIns="12700" tIns="0" rIns="12700" bIns="0" numCol="1" spcCol="1270" anchor="ctr" anchorCtr="0">
-          <a:noAutofit/>
-        </a:bodyPr>
-        <a:lstStyle/>
-        <a:p>
-          <a:pPr lvl="0" algn="ctr" defTabSz="222250">
-            <a:lnSpc>
-              <a:spcPct val="90000"/>
-            </a:lnSpc>
-            <a:spcBef>
-              <a:spcPct val="0"/>
-            </a:spcBef>
-            <a:spcAft>
-              <a:spcPct val="35000"/>
-            </a:spcAft>
-          </a:pPr>
-          <a:endParaRPr lang="en-US" sz="500" kern="1200"/>
-        </a:p>
-      </dsp:txBody>
-      <dsp:txXfrm>
-        <a:off x="5550597" y="1306303"/>
-        <a:ext cx="32024" cy="32024"/>
-      </dsp:txXfrm>
-    </dsp:sp>
-    <dsp:sp modelId="{E7945B43-0BFE-4ADB-B364-994240A3B2C2}">
-      <dsp:nvSpPr>
-        <dsp:cNvPr id="0" name=""/>
-        <dsp:cNvSpPr/>
-      </dsp:nvSpPr>
-      <dsp:spPr>
-        <a:xfrm>
-          <a:off x="5886858" y="922005"/>
-          <a:ext cx="1601241" cy="800620"/>
-        </a:xfrm>
-        <a:prstGeom prst="roundRect">
-          <a:avLst>
-            <a:gd name="adj" fmla="val 10000"/>
-          </a:avLst>
-        </a:prstGeom>
-        <a:gradFill rotWithShape="0">
-          <a:gsLst>
-            <a:gs pos="0">
-              <a:schemeClr val="accent1">
-                <a:hueOff val="0"/>
-                <a:satOff val="0"/>
-                <a:lumOff val="0"/>
-                <a:alphaOff val="0"/>
-                <a:tint val="65000"/>
-                <a:shade val="92000"/>
-                <a:satMod val="130000"/>
-              </a:schemeClr>
-            </a:gs>
-            <a:gs pos="45000">
-              <a:schemeClr val="accent1">
-                <a:hueOff val="0"/>
-                <a:satOff val="0"/>
-                <a:lumOff val="0"/>
-                <a:alphaOff val="0"/>
-                <a:tint val="60000"/>
-                <a:shade val="99000"/>
-                <a:satMod val="120000"/>
-              </a:schemeClr>
-            </a:gs>
-            <a:gs pos="100000">
-              <a:schemeClr val="accent1">
-                <a:hueOff val="0"/>
-                <a:satOff val="0"/>
-                <a:lumOff val="0"/>
-                <a:alphaOff val="0"/>
-                <a:tint val="55000"/>
-                <a:satMod val="140000"/>
-              </a:schemeClr>
-            </a:gs>
-          </a:gsLst>
-          <a:path path="circle">
-            <a:fillToRect l="100000" t="100000" r="100000" b="100000"/>
-          </a:path>
-        </a:gradFill>
-        <a:ln>
-          <a:noFill/>
-        </a:ln>
-        <a:effectLst/>
-        <a:scene3d>
-          <a:camera prst="orthographicFront"/>
-          <a:lightRig rig="flat" dir="t"/>
-        </a:scene3d>
-        <a:sp3d prstMaterial="dkEdge">
-          <a:bevelT w="8200" h="38100"/>
-        </a:sp3d>
-      </dsp:spPr>
-      <dsp:style>
-        <a:lnRef idx="0">
-          <a:scrgbClr r="0" g="0" b="0"/>
-        </a:lnRef>
-        <a:fillRef idx="2">
-          <a:scrgbClr r="0" g="0" b="0"/>
-        </a:fillRef>
-        <a:effectRef idx="1">
-          <a:scrgbClr r="0" g="0" b="0"/>
-        </a:effectRef>
-        <a:fontRef idx="minor">
-          <a:schemeClr val="dk1"/>
-        </a:fontRef>
-      </dsp:style>
-      <dsp:txBody>
-        <a:bodyPr spcFirstLastPara="0" vert="horz" wrap="square" lIns="15240" tIns="15240" rIns="15240" bIns="15240" numCol="1" spcCol="1270" anchor="ctr" anchorCtr="0">
-          <a:noAutofit/>
-        </a:bodyPr>
-        <a:lstStyle/>
-        <a:p>
-          <a:pPr lvl="0" algn="ctr" defTabSz="1066800">
-            <a:lnSpc>
-              <a:spcPct val="90000"/>
-            </a:lnSpc>
-            <a:spcBef>
-              <a:spcPct val="0"/>
-            </a:spcBef>
-            <a:spcAft>
-              <a:spcPct val="35000"/>
-            </a:spcAft>
-          </a:pPr>
-          <a:r>
-            <a:rPr lang="en-US" sz="2400" b="0" kern="1200" cap="none" spc="0" dirty="0" smtClean="0">
-              <a:ln w="0"/>
-              <a:solidFill>
-                <a:schemeClr val="tx1"/>
-              </a:solidFill>
-              <a:effectLst>
-                <a:outerShdw blurRad="38100" dist="19050" dir="2700000" algn="tl" rotWithShape="0">
-                  <a:schemeClr val="dk1">
-                    <a:alpha val="40000"/>
-                  </a:schemeClr>
-                </a:outerShdw>
-              </a:effectLst>
-            </a:rPr>
-            <a:t>Object Parts</a:t>
-          </a:r>
-          <a:endParaRPr lang="en-US" sz="2400" b="0" kern="1200" cap="none" spc="0" dirty="0">
-            <a:ln w="0"/>
-            <a:solidFill>
-              <a:schemeClr val="tx1"/>
-            </a:solidFill>
-            <a:effectLst>
-              <a:outerShdw blurRad="38100" dist="19050" dir="2700000" algn="tl" rotWithShape="0">
-                <a:schemeClr val="dk1">
-                  <a:alpha val="40000"/>
-                </a:schemeClr>
-              </a:outerShdw>
-            </a:effectLst>
-          </a:endParaRPr>
-        </a:p>
-      </dsp:txBody>
-      <dsp:txXfrm>
-        <a:off x="5910307" y="945454"/>
-        <a:ext cx="1554343" cy="753722"/>
-      </dsp:txXfrm>
-    </dsp:sp>
-    <dsp:sp modelId="{24E6E97C-514D-4284-AE72-43064D5E0E01}">
-      <dsp:nvSpPr>
-        <dsp:cNvPr id="0" name=""/>
-        <dsp:cNvSpPr/>
-      </dsp:nvSpPr>
-      <dsp:spPr>
-        <a:xfrm>
-          <a:off x="7488099" y="1295069"/>
-          <a:ext cx="640496" cy="54492"/>
-        </a:xfrm>
-        <a:custGeom>
-          <a:avLst/>
-          <a:gdLst/>
-          <a:ahLst/>
-          <a:cxnLst/>
-          <a:rect l="0" t="0" r="0" b="0"/>
-          <a:pathLst>
-            <a:path>
-              <a:moveTo>
-                <a:pt x="0" y="27246"/>
-              </a:moveTo>
-              <a:lnTo>
-                <a:pt x="640496" y="27246"/>
-              </a:lnTo>
-            </a:path>
-          </a:pathLst>
-        </a:custGeom>
-        <a:noFill/>
-        <a:ln w="15875" cap="flat" cmpd="sng" algn="ctr">
-          <a:solidFill>
-            <a:schemeClr val="accent1">
-              <a:shade val="80000"/>
-              <a:hueOff val="0"/>
-              <a:satOff val="0"/>
-              <a:lumOff val="0"/>
-              <a:alphaOff val="0"/>
-            </a:schemeClr>
-          </a:solidFill>
-          <a:prstDash val="solid"/>
-        </a:ln>
-        <a:effectLst/>
-      </dsp:spPr>
-      <dsp:style>
-        <a:lnRef idx="2">
-          <a:scrgbClr r="0" g="0" b="0"/>
-        </a:lnRef>
-        <a:fillRef idx="0">
-          <a:scrgbClr r="0" g="0" b="0"/>
-        </a:fillRef>
-        <a:effectRef idx="0">
-          <a:scrgbClr r="0" g="0" b="0"/>
-        </a:effectRef>
-        <a:fontRef idx="minor"/>
-      </dsp:style>
-      <dsp:txBody>
-        <a:bodyPr spcFirstLastPara="0" vert="horz" wrap="square" lIns="12700" tIns="0" rIns="12700" bIns="0" numCol="1" spcCol="1270" anchor="ctr" anchorCtr="0">
-          <a:noAutofit/>
-        </a:bodyPr>
-        <a:lstStyle/>
-        <a:p>
-          <a:pPr lvl="0" algn="ctr" defTabSz="222250">
-            <a:lnSpc>
-              <a:spcPct val="90000"/>
-            </a:lnSpc>
-            <a:spcBef>
-              <a:spcPct val="0"/>
-            </a:spcBef>
-            <a:spcAft>
-              <a:spcPct val="35000"/>
-            </a:spcAft>
-          </a:pPr>
-          <a:endParaRPr lang="en-US" sz="500" b="0" kern="1200" cap="none" spc="0">
-            <a:ln w="0"/>
-            <a:solidFill>
-              <a:schemeClr val="tx1"/>
-            </a:solidFill>
-            <a:effectLst>
-              <a:outerShdw blurRad="38100" dist="19050" dir="2700000" algn="tl" rotWithShape="0">
-                <a:schemeClr val="dk1">
-                  <a:alpha val="40000"/>
-                </a:schemeClr>
-              </a:outerShdw>
-            </a:effectLst>
-          </a:endParaRPr>
-        </a:p>
-      </dsp:txBody>
-      <dsp:txXfrm>
-        <a:off x="7792335" y="1306303"/>
-        <a:ext cx="32024" cy="32024"/>
-      </dsp:txXfrm>
-    </dsp:sp>
-    <dsp:sp modelId="{142B7792-8175-4F35-82E8-E12F540C8C1C}">
-      <dsp:nvSpPr>
-        <dsp:cNvPr id="0" name=""/>
-        <dsp:cNvSpPr/>
-      </dsp:nvSpPr>
-      <dsp:spPr>
-        <a:xfrm>
-          <a:off x="8128596" y="922005"/>
-          <a:ext cx="1601241" cy="800620"/>
-        </a:xfrm>
-        <a:prstGeom prst="roundRect">
-          <a:avLst>
-            <a:gd name="adj" fmla="val 10000"/>
-          </a:avLst>
-        </a:prstGeom>
-        <a:gradFill rotWithShape="0">
-          <a:gsLst>
-            <a:gs pos="0">
-              <a:schemeClr val="accent1">
-                <a:hueOff val="0"/>
-                <a:satOff val="0"/>
-                <a:lumOff val="0"/>
-                <a:alphaOff val="0"/>
-                <a:tint val="65000"/>
-                <a:shade val="92000"/>
-                <a:satMod val="130000"/>
-              </a:schemeClr>
-            </a:gs>
-            <a:gs pos="45000">
-              <a:schemeClr val="accent1">
-                <a:hueOff val="0"/>
-                <a:satOff val="0"/>
-                <a:lumOff val="0"/>
-                <a:alphaOff val="0"/>
-                <a:tint val="60000"/>
-                <a:shade val="99000"/>
-                <a:satMod val="120000"/>
-              </a:schemeClr>
-            </a:gs>
-            <a:gs pos="100000">
-              <a:schemeClr val="accent1">
-                <a:hueOff val="0"/>
-                <a:satOff val="0"/>
-                <a:lumOff val="0"/>
-                <a:alphaOff val="0"/>
-                <a:tint val="55000"/>
-                <a:satMod val="140000"/>
-              </a:schemeClr>
-            </a:gs>
-          </a:gsLst>
-          <a:path path="circle">
-            <a:fillToRect l="100000" t="100000" r="100000" b="100000"/>
-          </a:path>
-        </a:gradFill>
-        <a:ln>
-          <a:noFill/>
-        </a:ln>
-        <a:effectLst/>
-        <a:scene3d>
-          <a:camera prst="orthographicFront"/>
-          <a:lightRig rig="flat" dir="t"/>
-        </a:scene3d>
-        <a:sp3d prstMaterial="dkEdge">
-          <a:bevelT w="8200" h="38100"/>
-        </a:sp3d>
-      </dsp:spPr>
-      <dsp:style>
-        <a:lnRef idx="0">
-          <a:scrgbClr r="0" g="0" b="0"/>
-        </a:lnRef>
-        <a:fillRef idx="2">
-          <a:scrgbClr r="0" g="0" b="0"/>
-        </a:fillRef>
-        <a:effectRef idx="1">
-          <a:scrgbClr r="0" g="0" b="0"/>
-        </a:effectRef>
-        <a:fontRef idx="minor">
-          <a:schemeClr val="dk1"/>
-        </a:fontRef>
-      </dsp:style>
-      <dsp:txBody>
-        <a:bodyPr spcFirstLastPara="0" vert="horz" wrap="square" lIns="15240" tIns="15240" rIns="15240" bIns="15240" numCol="1" spcCol="1270" anchor="ctr" anchorCtr="0">
-          <a:noAutofit/>
-        </a:bodyPr>
-        <a:lstStyle/>
-        <a:p>
-          <a:pPr lvl="0" algn="ctr" defTabSz="1066800">
-            <a:lnSpc>
-              <a:spcPct val="90000"/>
-            </a:lnSpc>
-            <a:spcBef>
-              <a:spcPct val="0"/>
-            </a:spcBef>
-            <a:spcAft>
-              <a:spcPct val="35000"/>
-            </a:spcAft>
-          </a:pPr>
-          <a:r>
-            <a:rPr lang="en-US" sz="2400" b="0" kern="1200" cap="none" spc="0" dirty="0" smtClean="0">
-              <a:ln w="0"/>
-              <a:solidFill>
-                <a:schemeClr val="tx1"/>
-              </a:solidFill>
-              <a:effectLst>
-                <a:outerShdw blurRad="38100" dist="19050" dir="2700000" algn="tl" rotWithShape="0">
-                  <a:schemeClr val="dk1">
-                    <a:alpha val="40000"/>
-                  </a:schemeClr>
-                </a:outerShdw>
-              </a:effectLst>
-            </a:rPr>
-            <a:t>Light</a:t>
-          </a:r>
-          <a:endParaRPr lang="en-US" sz="2400" b="0" kern="1200" cap="none" spc="0" dirty="0">
-            <a:ln w="0"/>
-            <a:solidFill>
-              <a:schemeClr val="tx1"/>
-            </a:solidFill>
-            <a:effectLst>
-              <a:outerShdw blurRad="38100" dist="19050" dir="2700000" algn="tl" rotWithShape="0">
-                <a:schemeClr val="dk1">
-                  <a:alpha val="40000"/>
-                </a:schemeClr>
-              </a:outerShdw>
-            </a:effectLst>
-          </a:endParaRPr>
-        </a:p>
-      </dsp:txBody>
-      <dsp:txXfrm>
-        <a:off x="8152045" y="945454"/>
-        <a:ext cx="1554343" cy="753722"/>
-      </dsp:txXfrm>
-    </dsp:sp>
-    <dsp:sp modelId="{132F928B-6929-46FA-9761-8812BF870552}">
-      <dsp:nvSpPr>
-        <dsp:cNvPr id="0" name=""/>
-        <dsp:cNvSpPr/>
-      </dsp:nvSpPr>
-      <dsp:spPr>
-        <a:xfrm rot="3310531">
-          <a:off x="2764080" y="1755426"/>
-          <a:ext cx="1121583" cy="54492"/>
-        </a:xfrm>
-        <a:custGeom>
-          <a:avLst/>
-          <a:gdLst/>
-          <a:ahLst/>
-          <a:cxnLst/>
-          <a:rect l="0" t="0" r="0" b="0"/>
-          <a:pathLst>
-            <a:path>
-              <a:moveTo>
-                <a:pt x="0" y="27246"/>
-              </a:moveTo>
-              <a:lnTo>
-                <a:pt x="1121583" y="27246"/>
-              </a:lnTo>
-            </a:path>
-          </a:pathLst>
-        </a:custGeom>
-        <a:noFill/>
-        <a:ln w="15875" cap="flat" cmpd="sng" algn="ctr">
-          <a:solidFill>
-            <a:schemeClr val="accent1">
-              <a:shade val="60000"/>
-              <a:hueOff val="0"/>
-              <a:satOff val="0"/>
-              <a:lumOff val="0"/>
-              <a:alphaOff val="0"/>
-            </a:schemeClr>
-          </a:solidFill>
-          <a:prstDash val="solid"/>
-        </a:ln>
-        <a:effectLst/>
-      </dsp:spPr>
-      <dsp:style>
-        <a:lnRef idx="2">
-          <a:scrgbClr r="0" g="0" b="0"/>
-        </a:lnRef>
-        <a:fillRef idx="0">
-          <a:scrgbClr r="0" g="0" b="0"/>
-        </a:fillRef>
-        <a:effectRef idx="0">
-          <a:scrgbClr r="0" g="0" b="0"/>
-        </a:effectRef>
-        <a:fontRef idx="minor"/>
-      </dsp:style>
-      <dsp:txBody>
-        <a:bodyPr spcFirstLastPara="0" vert="horz" wrap="square" lIns="12700" tIns="0" rIns="12700" bIns="0" numCol="1" spcCol="1270" anchor="ctr" anchorCtr="0">
-          <a:noAutofit/>
-        </a:bodyPr>
-        <a:lstStyle/>
-        <a:p>
-          <a:pPr lvl="0" algn="ctr" defTabSz="222250">
-            <a:lnSpc>
-              <a:spcPct val="90000"/>
-            </a:lnSpc>
-            <a:spcBef>
-              <a:spcPct val="0"/>
-            </a:spcBef>
-            <a:spcAft>
-              <a:spcPct val="35000"/>
-            </a:spcAft>
-          </a:pPr>
-          <a:endParaRPr lang="en-US" sz="500" b="0" kern="1200" cap="none" spc="0">
-            <a:ln w="0"/>
-            <a:solidFill>
-              <a:schemeClr val="tx1"/>
-            </a:solidFill>
-            <a:effectLst>
-              <a:outerShdw blurRad="38100" dist="19050" dir="2700000" algn="tl" rotWithShape="0">
-                <a:schemeClr val="dk1">
-                  <a:alpha val="40000"/>
-                </a:schemeClr>
-              </a:outerShdw>
-            </a:effectLst>
-          </a:endParaRPr>
-        </a:p>
-      </dsp:txBody>
-      <dsp:txXfrm>
-        <a:off x="3296832" y="1754632"/>
-        <a:ext cx="56079" cy="56079"/>
-      </dsp:txXfrm>
-    </dsp:sp>
-    <dsp:sp modelId="{F6FCA7E5-1621-413C-86F3-0E1AA0D62B78}">
-      <dsp:nvSpPr>
-        <dsp:cNvPr id="0" name=""/>
-        <dsp:cNvSpPr/>
-      </dsp:nvSpPr>
-      <dsp:spPr>
-        <a:xfrm>
-          <a:off x="3645120" y="1842718"/>
-          <a:ext cx="1601241" cy="800620"/>
-        </a:xfrm>
-        <a:prstGeom prst="roundRect">
-          <a:avLst>
-            <a:gd name="adj" fmla="val 10000"/>
-          </a:avLst>
-        </a:prstGeom>
-        <a:gradFill rotWithShape="0">
-          <a:gsLst>
-            <a:gs pos="0">
-              <a:schemeClr val="accent1">
-                <a:hueOff val="0"/>
-                <a:satOff val="0"/>
-                <a:lumOff val="0"/>
-                <a:alphaOff val="0"/>
-                <a:tint val="65000"/>
-                <a:shade val="92000"/>
-                <a:satMod val="130000"/>
-              </a:schemeClr>
-            </a:gs>
-            <a:gs pos="45000">
-              <a:schemeClr val="accent1">
-                <a:hueOff val="0"/>
-                <a:satOff val="0"/>
-                <a:lumOff val="0"/>
-                <a:alphaOff val="0"/>
-                <a:tint val="60000"/>
-                <a:shade val="99000"/>
-                <a:satMod val="120000"/>
-              </a:schemeClr>
-            </a:gs>
-            <a:gs pos="100000">
-              <a:schemeClr val="accent1">
-                <a:hueOff val="0"/>
-                <a:satOff val="0"/>
-                <a:lumOff val="0"/>
-                <a:alphaOff val="0"/>
-                <a:tint val="55000"/>
-                <a:satMod val="140000"/>
-              </a:schemeClr>
-            </a:gs>
-          </a:gsLst>
-          <a:path path="circle">
-            <a:fillToRect l="100000" t="100000" r="100000" b="100000"/>
-          </a:path>
-        </a:gradFill>
-        <a:ln>
-          <a:noFill/>
-        </a:ln>
-        <a:effectLst/>
-        <a:scene3d>
-          <a:camera prst="orthographicFront"/>
-          <a:lightRig rig="flat" dir="t"/>
-        </a:scene3d>
-        <a:sp3d prstMaterial="dkEdge">
-          <a:bevelT w="8200" h="38100"/>
-        </a:sp3d>
-      </dsp:spPr>
-      <dsp:style>
-        <a:lnRef idx="0">
-          <a:scrgbClr r="0" g="0" b="0"/>
-        </a:lnRef>
-        <a:fillRef idx="2">
-          <a:scrgbClr r="0" g="0" b="0"/>
-        </a:fillRef>
-        <a:effectRef idx="1">
-          <a:scrgbClr r="0" g="0" b="0"/>
-        </a:effectRef>
-        <a:fontRef idx="minor">
-          <a:schemeClr val="dk1"/>
-        </a:fontRef>
-      </dsp:style>
-      <dsp:txBody>
-        <a:bodyPr spcFirstLastPara="0" vert="horz" wrap="square" lIns="15240" tIns="15240" rIns="15240" bIns="15240" numCol="1" spcCol="1270" anchor="ctr" anchorCtr="0">
-          <a:noAutofit/>
-        </a:bodyPr>
-        <a:lstStyle/>
-        <a:p>
-          <a:pPr lvl="0" algn="ctr" defTabSz="1066800">
-            <a:lnSpc>
-              <a:spcPct val="90000"/>
-            </a:lnSpc>
-            <a:spcBef>
-              <a:spcPct val="0"/>
-            </a:spcBef>
-            <a:spcAft>
-              <a:spcPct val="35000"/>
-            </a:spcAft>
-          </a:pPr>
-          <a:r>
-            <a:rPr lang="en-US" sz="2400" b="0" kern="1200" cap="none" spc="0" dirty="0" smtClean="0">
-              <a:ln w="0"/>
-              <a:solidFill>
-                <a:schemeClr val="tx1"/>
-              </a:solidFill>
-              <a:effectLst>
-                <a:outerShdw blurRad="38100" dist="19050" dir="2700000" algn="tl" rotWithShape="0">
-                  <a:schemeClr val="dk1">
-                    <a:alpha val="40000"/>
-                  </a:schemeClr>
-                </a:outerShdw>
-              </a:effectLst>
-            </a:rPr>
-            <a:t>Background</a:t>
-          </a:r>
-          <a:endParaRPr lang="en-US" sz="2400" b="0" kern="1200" cap="none" spc="0" dirty="0">
-            <a:ln w="0"/>
-            <a:solidFill>
-              <a:schemeClr val="tx1"/>
-            </a:solidFill>
-            <a:effectLst>
-              <a:outerShdw blurRad="38100" dist="19050" dir="2700000" algn="tl" rotWithShape="0">
-                <a:schemeClr val="dk1">
-                  <a:alpha val="40000"/>
-                </a:schemeClr>
-              </a:outerShdw>
-            </a:effectLst>
-          </a:endParaRPr>
-        </a:p>
-      </dsp:txBody>
-      <dsp:txXfrm>
-        <a:off x="3668569" y="1866167"/>
-        <a:ext cx="1554343" cy="753722"/>
-      </dsp:txXfrm>
-    </dsp:sp>
   </dsp:spTree>
 </dsp:drawing>
 </file>
@@ -4562,7 +3320,7 @@
           <a:p>
             <a:fld id="{4BDF68E2-58F2-4D09-BE8B-E3BD06533059}" type="datetimeFigureOut">
               <a:rPr lang="en-US" dirty="0"/>
-              <a:t>8/3/2015</a:t>
+              <a:t>10/7/2017</a:t>
             </a:fld>
             <a:endParaRPr lang="en-US" dirty="0"/>
           </a:p>
@@ -4765,7 +3523,7 @@
           <a:p>
             <a:fld id="{2E2D6473-DF6D-4702-B328-E0DD40540A4E}" type="datetimeFigureOut">
               <a:rPr lang="en-US" dirty="0"/>
-              <a:t>8/3/2015</a:t>
+              <a:t>10/7/2017</a:t>
             </a:fld>
             <a:endParaRPr lang="en-US" dirty="0"/>
           </a:p>
@@ -5016,7 +3774,7 @@
           <a:p>
             <a:fld id="{E26F7E3A-B166-407D-9866-32884E7D5B37}" type="datetimeFigureOut">
               <a:rPr lang="en-US" dirty="0"/>
-              <a:t>8/3/2015</a:t>
+              <a:t>10/7/2017</a:t>
             </a:fld>
             <a:endParaRPr lang="en-US" dirty="0"/>
           </a:p>
@@ -5185,7 +3943,7 @@
           <a:p>
             <a:fld id="{528FC5F6-F338-4AE4-BB23-26385BCFC423}" type="datetimeFigureOut">
               <a:rPr lang="en-US" dirty="0"/>
-              <a:t>8/3/2015</a:t>
+              <a:t>10/7/2017</a:t>
             </a:fld>
             <a:endParaRPr lang="en-US" dirty="0"/>
           </a:p>
@@ -5523,7 +4281,7 @@
           <a:p>
             <a:fld id="{20EBB0C4-6273-4C6E-B9BD-2EDC30F1CD52}" type="datetimeFigureOut">
               <a:rPr lang="en-US" dirty="0"/>
-              <a:t>8/3/2015</a:t>
+              <a:t>10/7/2017</a:t>
             </a:fld>
             <a:endParaRPr lang="en-US" dirty="0"/>
           </a:p>
@@ -5793,7 +4551,7 @@
           <a:p>
             <a:fld id="{19AB4D41-86C1-4908-B66A-0B50CEB3BF29}" type="datetimeFigureOut">
               <a:rPr lang="en-US" dirty="0"/>
-              <a:t>8/3/2015</a:t>
+              <a:t>10/7/2017</a:t>
             </a:fld>
             <a:endParaRPr lang="en-US" dirty="0"/>
           </a:p>
@@ -6167,7 +4925,7 @@
           <a:p>
             <a:fld id="{E6426E2C-56C1-4E0D-A793-0088A7FDD37E}" type="datetimeFigureOut">
               <a:rPr lang="en-US" dirty="0"/>
-              <a:t>8/3/2015</a:t>
+              <a:t>10/7/2017</a:t>
             </a:fld>
             <a:endParaRPr lang="en-US" dirty="0"/>
           </a:p>
@@ -6280,7 +5038,7 @@
           <a:p>
             <a:fld id="{C8C39B41-D8B5-4052-B551-9B5525EAA8B6}" type="datetimeFigureOut">
               <a:rPr lang="en-US" dirty="0"/>
-              <a:t>8/3/2015</a:t>
+              <a:t>10/7/2017</a:t>
             </a:fld>
             <a:endParaRPr lang="en-US" dirty="0"/>
           </a:p>
@@ -6446,7 +5204,7 @@
           <a:p>
             <a:fld id="{4D94136C-8742-45B2-AF27-D93DF72833A9}" type="datetimeFigureOut">
               <a:rPr lang="en-US" dirty="0"/>
-              <a:t>8/3/2015</a:t>
+              <a:t>10/7/2017</a:t>
             </a:fld>
             <a:endParaRPr lang="en-US" dirty="0"/>
           </a:p>
@@ -6796,7 +5554,7 @@
           <a:p>
             <a:fld id="{32ABBEA6-7C60-4B02-AE87-00D78D8422AF}" type="datetimeFigureOut">
               <a:rPr lang="en-US" dirty="0"/>
-              <a:t>8/3/2015</a:t>
+              <a:t>10/7/2017</a:t>
             </a:fld>
             <a:endParaRPr lang="en-US" dirty="0"/>
           </a:p>
@@ -7174,7 +5932,7 @@
           <a:p>
             <a:fld id="{C9CAD897-D46E-4AD2-BD9B-49DD3E640873}" type="datetimeFigureOut">
               <a:rPr lang="en-US" dirty="0"/>
-              <a:t>8/3/2015</a:t>
+              <a:t>10/7/2017</a:t>
             </a:fld>
             <a:endParaRPr lang="en-US" dirty="0"/>
           </a:p>
@@ -7456,7 +6214,7 @@
           <a:p>
             <a:fld id="{98624D31-43A5-475A-80CF-332C9F6DCF35}" type="datetimeFigureOut">
               <a:rPr lang="en-US" dirty="0"/>
-              <a:t>8/3/2015</a:t>
+              <a:t>10/7/2017</a:t>
             </a:fld>
             <a:endParaRPr lang="en-US" dirty="0"/>
           </a:p>
@@ -8606,107 +7364,6 @@
           <a:p>
             <a:r>
               <a:rPr lang="en-US" dirty="0" smtClean="0"/>
-              <a:t>Source 	</a:t>
-            </a:r>
-            <a:endParaRPr lang="en-US" dirty="0"/>
-          </a:p>
-        </p:txBody>
-      </p:sp>
-      <p:sp>
-        <p:nvSpPr>
-          <p:cNvPr id="3" name="Content Placeholder 2"/>
-          <p:cNvSpPr>
-            <a:spLocks noGrp="1"/>
-          </p:cNvSpPr>
-          <p:nvPr>
-            <p:ph idx="1"/>
-          </p:nvPr>
-        </p:nvSpPr>
-        <p:spPr/>
-        <p:txBody>
-          <a:bodyPr/>
-          <a:lstStyle/>
-          <a:p>
-            <a:r>
-              <a:rPr lang="en-US" sz="4400" dirty="0" smtClean="0"/>
-              <a:t>Code written by Sergey </a:t>
-            </a:r>
-            <a:r>
-              <a:rPr lang="en-US" sz="4400" dirty="0" err="1" smtClean="0"/>
-              <a:t>Matveyev</a:t>
-            </a:r>
-            <a:endParaRPr lang="en-US" sz="4400" dirty="0" smtClean="0"/>
-          </a:p>
-          <a:p>
-            <a:r>
-              <a:rPr lang="en-US" sz="4400" dirty="0">
-                <a:hlinkClick r:id="rId2"/>
-              </a:rPr>
-              <a:t>http://</a:t>
-            </a:r>
-            <a:r>
-              <a:rPr lang="en-US" sz="4400" dirty="0" smtClean="0">
-                <a:hlinkClick r:id="rId2"/>
-              </a:rPr>
-              <a:t>www.codeproject.com/Articles/13141/Perpetuum-Mobile</a:t>
-            </a:r>
-            <a:endParaRPr lang="en-US" sz="4400" dirty="0" smtClean="0"/>
-          </a:p>
-          <a:p>
-            <a:endParaRPr lang="en-US" dirty="0"/>
-          </a:p>
-          <a:p>
-            <a:endParaRPr lang="en-US" dirty="0"/>
-          </a:p>
-        </p:txBody>
-      </p:sp>
-    </p:spTree>
-    <p:extLst>
-      <p:ext uri="{BB962C8B-B14F-4D97-AF65-F5344CB8AC3E}">
-        <p14:creationId xmlns:p14="http://schemas.microsoft.com/office/powerpoint/2010/main" val="3728826506"/>
-      </p:ext>
-    </p:extLst>
-  </p:cSld>
-  <p:clrMapOvr>
-    <a:masterClrMapping/>
-  </p:clrMapOvr>
-</p:sld>
-</file>
-
-<file path=ppt/slides/slide14.xml><?xml version="1.0" encoding="utf-8"?>
-<p:sld xmlns:a="http://schemas.openxmlformats.org/drawingml/2006/main" xmlns:r="http://schemas.openxmlformats.org/officeDocument/2006/relationships" xmlns:p="http://schemas.openxmlformats.org/presentationml/2006/main">
-  <p:cSld>
-    <p:spTree>
-      <p:nvGrpSpPr>
-        <p:cNvPr id="1" name=""/>
-        <p:cNvGrpSpPr/>
-        <p:nvPr/>
-      </p:nvGrpSpPr>
-      <p:grpSpPr>
-        <a:xfrm>
-          <a:off x="0" y="0"/>
-          <a:ext cx="0" cy="0"/>
-          <a:chOff x="0" y="0"/>
-          <a:chExt cx="0" cy="0"/>
-        </a:xfrm>
-      </p:grpSpPr>
-      <p:sp>
-        <p:nvSpPr>
-          <p:cNvPr id="2" name="Title 1"/>
-          <p:cNvSpPr>
-            <a:spLocks noGrp="1"/>
-          </p:cNvSpPr>
-          <p:nvPr>
-            <p:ph type="title"/>
-          </p:nvPr>
-        </p:nvSpPr>
-        <p:spPr/>
-        <p:txBody>
-          <a:bodyPr/>
-          <a:lstStyle/>
-          <a:p>
-            <a:r>
-              <a:rPr lang="en-US" dirty="0" smtClean="0"/>
               <a:t>Questions?</a:t>
             </a:r>
             <a:endParaRPr lang="en-US" dirty="0"/>
@@ -8924,7 +7581,6 @@
               <a:rPr lang="en-US" sz="2800" dirty="0" smtClean="0"/>
               <a:t>Geometry Object</a:t>
             </a:r>
-            <a:endParaRPr lang="en-US" sz="2800" dirty="0" smtClean="0"/>
           </a:p>
           <a:p>
             <a:pPr lvl="1">
